--- a/Presentation.pptx
+++ b/Presentation.pptx
@@ -7,7 +7,11 @@
   <p:sldIdLst>
     <p:sldId id="256" r:id="rId2"/>
     <p:sldId id="257" r:id="rId3"/>
-    <p:sldId id="258" r:id="rId4"/>
+    <p:sldId id="260" r:id="rId4"/>
+    <p:sldId id="258" r:id="rId5"/>
+    <p:sldId id="262" r:id="rId6"/>
+    <p:sldId id="261" r:id="rId7"/>
+    <p:sldId id="259" r:id="rId8"/>
   </p:sldIdLst>
   <p:sldSz cx="12192000" cy="6858000"/>
   <p:notesSz cx="6858000" cy="9144000"/>
@@ -106,6 +110,11 @@
       </a:defRPr>
     </a:lvl9pPr>
   </p:defaultTextStyle>
+  <p:extLst>
+    <p:ext uri="{EFAFB233-063F-42B5-8137-9DF3F51BA10A}">
+      <p15:sldGuideLst xmlns:p15="http://schemas.microsoft.com/office/powerpoint/2012/main"/>
+    </p:ext>
+  </p:extLst>
 </p:presentation>
 </file>
 
@@ -4368,6 +4377,101 @@
           <p:cNvPr id="2" name="Title 1">
             <a:extLst>
               <a:ext uri="{FF2B5EF4-FFF2-40B4-BE49-F238E27FC236}">
+                <a16:creationId xmlns:a16="http://schemas.microsoft.com/office/drawing/2014/main" id="{3A00AF60-4E36-994F-BFC4-275CE62EE54A}"/>
+              </a:ext>
+            </a:extLst>
+          </p:cNvPr>
+          <p:cNvSpPr>
+            <a:spLocks noGrp="1"/>
+          </p:cNvSpPr>
+          <p:nvPr>
+            <p:ph type="title"/>
+          </p:nvPr>
+        </p:nvSpPr>
+        <p:spPr/>
+        <p:txBody>
+          <a:bodyPr/>
+          <a:lstStyle/>
+          <a:p>
+            <a:r>
+              <a:rPr lang="en-US" dirty="0"/>
+              <a:t>Motivation</a:t>
+            </a:r>
+          </a:p>
+        </p:txBody>
+      </p:sp>
+      <p:sp>
+        <p:nvSpPr>
+          <p:cNvPr id="3" name="Content Placeholder 2">
+            <a:extLst>
+              <a:ext uri="{FF2B5EF4-FFF2-40B4-BE49-F238E27FC236}">
+                <a16:creationId xmlns:a16="http://schemas.microsoft.com/office/drawing/2014/main" id="{2684E8BF-96FD-3C40-906C-BB1753D9BC73}"/>
+              </a:ext>
+            </a:extLst>
+          </p:cNvPr>
+          <p:cNvSpPr>
+            <a:spLocks noGrp="1"/>
+          </p:cNvSpPr>
+          <p:nvPr>
+            <p:ph idx="1"/>
+          </p:nvPr>
+        </p:nvSpPr>
+        <p:spPr/>
+        <p:txBody>
+          <a:bodyPr/>
+          <a:lstStyle/>
+          <a:p>
+            <a:r>
+              <a:rPr lang="en-US" dirty="0"/>
+              <a:t>Automate task of designing optimized quantum circuits</a:t>
+            </a:r>
+          </a:p>
+          <a:p>
+            <a:endParaRPr lang="en-US" dirty="0"/>
+          </a:p>
+          <a:p>
+            <a:endParaRPr lang="en-US" dirty="0"/>
+          </a:p>
+          <a:p>
+            <a:endParaRPr lang="en-US" dirty="0"/>
+          </a:p>
+        </p:txBody>
+      </p:sp>
+    </p:spTree>
+    <p:extLst>
+      <p:ext uri="{BB962C8B-B14F-4D97-AF65-F5344CB8AC3E}">
+        <p14:creationId xmlns:p14="http://schemas.microsoft.com/office/powerpoint/2010/main" val="1634535109"/>
+      </p:ext>
+    </p:extLst>
+  </p:cSld>
+  <p:clrMapOvr>
+    <a:masterClrMapping/>
+  </p:clrMapOvr>
+</p:sld>
+</file>
+
+<file path=ppt/slides/slide4.xml><?xml version="1.0" encoding="utf-8"?>
+<p:sld xmlns:a="http://schemas.openxmlformats.org/drawingml/2006/main" xmlns:r="http://schemas.openxmlformats.org/officeDocument/2006/relationships" xmlns:p="http://schemas.openxmlformats.org/presentationml/2006/main">
+  <p:cSld>
+    <p:spTree>
+      <p:nvGrpSpPr>
+        <p:cNvPr id="1" name=""/>
+        <p:cNvGrpSpPr/>
+        <p:nvPr/>
+      </p:nvGrpSpPr>
+      <p:grpSpPr>
+        <a:xfrm>
+          <a:off x="0" y="0"/>
+          <a:ext cx="0" cy="0"/>
+          <a:chOff x="0" y="0"/>
+          <a:chExt cx="0" cy="0"/>
+        </a:xfrm>
+      </p:grpSpPr>
+      <p:sp>
+        <p:nvSpPr>
+          <p:cNvPr id="2" name="Title 1">
+            <a:extLst>
+              <a:ext uri="{FF2B5EF4-FFF2-40B4-BE49-F238E27FC236}">
                 <a16:creationId xmlns:a16="http://schemas.microsoft.com/office/drawing/2014/main" id="{4BDECD0E-8178-B742-AB71-2458FDCDA90D}"/>
               </a:ext>
             </a:extLst>
@@ -4441,6 +4545,308 @@
     <p:extLst>
       <p:ext uri="{BB962C8B-B14F-4D97-AF65-F5344CB8AC3E}">
         <p14:creationId xmlns:p14="http://schemas.microsoft.com/office/powerpoint/2010/main" val="1098248023"/>
+      </p:ext>
+    </p:extLst>
+  </p:cSld>
+  <p:clrMapOvr>
+    <a:masterClrMapping/>
+  </p:clrMapOvr>
+</p:sld>
+</file>
+
+<file path=ppt/slides/slide5.xml><?xml version="1.0" encoding="utf-8"?>
+<p:sld xmlns:a="http://schemas.openxmlformats.org/drawingml/2006/main" xmlns:r="http://schemas.openxmlformats.org/officeDocument/2006/relationships" xmlns:p="http://schemas.openxmlformats.org/presentationml/2006/main">
+  <p:cSld>
+    <p:spTree>
+      <p:nvGrpSpPr>
+        <p:cNvPr id="1" name=""/>
+        <p:cNvGrpSpPr/>
+        <p:nvPr/>
+      </p:nvGrpSpPr>
+      <p:grpSpPr>
+        <a:xfrm>
+          <a:off x="0" y="0"/>
+          <a:ext cx="0" cy="0"/>
+          <a:chOff x="0" y="0"/>
+          <a:chExt cx="0" cy="0"/>
+        </a:xfrm>
+      </p:grpSpPr>
+      <p:sp>
+        <p:nvSpPr>
+          <p:cNvPr id="2" name="Title 1">
+            <a:extLst>
+              <a:ext uri="{FF2B5EF4-FFF2-40B4-BE49-F238E27FC236}">
+                <a16:creationId xmlns:a16="http://schemas.microsoft.com/office/drawing/2014/main" id="{56C275BE-DA16-4D4D-BCB9-9A9CC068672A}"/>
+              </a:ext>
+            </a:extLst>
+          </p:cNvPr>
+          <p:cNvSpPr>
+            <a:spLocks noGrp="1"/>
+          </p:cNvSpPr>
+          <p:nvPr>
+            <p:ph type="title"/>
+          </p:nvPr>
+        </p:nvSpPr>
+        <p:spPr/>
+        <p:txBody>
+          <a:bodyPr/>
+          <a:lstStyle/>
+          <a:p>
+            <a:endParaRPr lang="en-US" dirty="0"/>
+          </a:p>
+        </p:txBody>
+      </p:sp>
+      <p:sp>
+        <p:nvSpPr>
+          <p:cNvPr id="3" name="Content Placeholder 2">
+            <a:extLst>
+              <a:ext uri="{FF2B5EF4-FFF2-40B4-BE49-F238E27FC236}">
+                <a16:creationId xmlns:a16="http://schemas.microsoft.com/office/drawing/2014/main" id="{60571F91-03FE-E946-9CC4-34E9D204DCF3}"/>
+              </a:ext>
+            </a:extLst>
+          </p:cNvPr>
+          <p:cNvSpPr>
+            <a:spLocks noGrp="1"/>
+          </p:cNvSpPr>
+          <p:nvPr>
+            <p:ph idx="1"/>
+          </p:nvPr>
+        </p:nvSpPr>
+        <p:spPr/>
+        <p:txBody>
+          <a:bodyPr/>
+          <a:lstStyle/>
+          <a:p>
+            <a:endParaRPr lang="en-US"/>
+          </a:p>
+        </p:txBody>
+      </p:sp>
+    </p:spTree>
+    <p:extLst>
+      <p:ext uri="{BB962C8B-B14F-4D97-AF65-F5344CB8AC3E}">
+        <p14:creationId xmlns:p14="http://schemas.microsoft.com/office/powerpoint/2010/main" val="3706602506"/>
+      </p:ext>
+    </p:extLst>
+  </p:cSld>
+  <p:clrMapOvr>
+    <a:masterClrMapping/>
+  </p:clrMapOvr>
+</p:sld>
+</file>
+
+<file path=ppt/slides/slide6.xml><?xml version="1.0" encoding="utf-8"?>
+<p:sld xmlns:a="http://schemas.openxmlformats.org/drawingml/2006/main" xmlns:r="http://schemas.openxmlformats.org/officeDocument/2006/relationships" xmlns:p="http://schemas.openxmlformats.org/presentationml/2006/main">
+  <p:cSld>
+    <p:spTree>
+      <p:nvGrpSpPr>
+        <p:cNvPr id="1" name=""/>
+        <p:cNvGrpSpPr/>
+        <p:nvPr/>
+      </p:nvGrpSpPr>
+      <p:grpSpPr>
+        <a:xfrm>
+          <a:off x="0" y="0"/>
+          <a:ext cx="0" cy="0"/>
+          <a:chOff x="0" y="0"/>
+          <a:chExt cx="0" cy="0"/>
+        </a:xfrm>
+      </p:grpSpPr>
+      <p:sp>
+        <p:nvSpPr>
+          <p:cNvPr id="2" name="Title 1">
+            <a:extLst>
+              <a:ext uri="{FF2B5EF4-FFF2-40B4-BE49-F238E27FC236}">
+                <a16:creationId xmlns:a16="http://schemas.microsoft.com/office/drawing/2014/main" id="{3097F735-E9D9-E340-B92A-50C58E2B6B3C}"/>
+              </a:ext>
+            </a:extLst>
+          </p:cNvPr>
+          <p:cNvSpPr>
+            <a:spLocks noGrp="1"/>
+          </p:cNvSpPr>
+          <p:nvPr>
+            <p:ph type="title"/>
+          </p:nvPr>
+        </p:nvSpPr>
+        <p:spPr/>
+        <p:txBody>
+          <a:bodyPr/>
+          <a:lstStyle/>
+          <a:p>
+            <a:r>
+              <a:rPr lang="en-US" dirty="0"/>
+              <a:t>Future Work</a:t>
+            </a:r>
+          </a:p>
+        </p:txBody>
+      </p:sp>
+      <p:sp>
+        <p:nvSpPr>
+          <p:cNvPr id="3" name="Content Placeholder 2">
+            <a:extLst>
+              <a:ext uri="{FF2B5EF4-FFF2-40B4-BE49-F238E27FC236}">
+                <a16:creationId xmlns:a16="http://schemas.microsoft.com/office/drawing/2014/main" id="{EE64B951-627B-7F40-9749-4CB11E9FE4BF}"/>
+              </a:ext>
+            </a:extLst>
+          </p:cNvPr>
+          <p:cNvSpPr>
+            <a:spLocks noGrp="1"/>
+          </p:cNvSpPr>
+          <p:nvPr>
+            <p:ph idx="1"/>
+          </p:nvPr>
+        </p:nvSpPr>
+        <p:spPr/>
+        <p:txBody>
+          <a:bodyPr/>
+          <a:lstStyle/>
+          <a:p>
+            <a:r>
+              <a:rPr lang="en-US" dirty="0"/>
+              <a:t>Scale to larger, more complicated circuits</a:t>
+            </a:r>
+          </a:p>
+          <a:p>
+            <a:endParaRPr lang="en-US" dirty="0"/>
+          </a:p>
+          <a:p>
+            <a:r>
+              <a:rPr lang="en-US" dirty="0"/>
+              <a:t>Investigate other RL algorithms besides Q-Networks</a:t>
+            </a:r>
+          </a:p>
+          <a:p>
+            <a:endParaRPr lang="en-US" dirty="0"/>
+          </a:p>
+          <a:p>
+            <a:r>
+              <a:rPr lang="en-US" dirty="0"/>
+              <a:t>Integrate into </a:t>
+            </a:r>
+            <a:r>
+              <a:rPr lang="en-US" dirty="0" err="1"/>
+              <a:t>Qiskit</a:t>
+            </a:r>
+            <a:endParaRPr lang="en-US" dirty="0"/>
+          </a:p>
+        </p:txBody>
+      </p:sp>
+    </p:spTree>
+    <p:extLst>
+      <p:ext uri="{BB962C8B-B14F-4D97-AF65-F5344CB8AC3E}">
+        <p14:creationId xmlns:p14="http://schemas.microsoft.com/office/powerpoint/2010/main" val="1859757934"/>
+      </p:ext>
+    </p:extLst>
+  </p:cSld>
+  <p:clrMapOvr>
+    <a:masterClrMapping/>
+  </p:clrMapOvr>
+</p:sld>
+</file>
+
+<file path=ppt/slides/slide7.xml><?xml version="1.0" encoding="utf-8"?>
+<p:sld xmlns:a="http://schemas.openxmlformats.org/drawingml/2006/main" xmlns:r="http://schemas.openxmlformats.org/officeDocument/2006/relationships" xmlns:p="http://schemas.openxmlformats.org/presentationml/2006/main">
+  <p:cSld>
+    <p:spTree>
+      <p:nvGrpSpPr>
+        <p:cNvPr id="1" name=""/>
+        <p:cNvGrpSpPr/>
+        <p:nvPr/>
+      </p:nvGrpSpPr>
+      <p:grpSpPr>
+        <a:xfrm>
+          <a:off x="0" y="0"/>
+          <a:ext cx="0" cy="0"/>
+          <a:chOff x="0" y="0"/>
+          <a:chExt cx="0" cy="0"/>
+        </a:xfrm>
+      </p:grpSpPr>
+      <p:sp>
+        <p:nvSpPr>
+          <p:cNvPr id="2" name="Title 1">
+            <a:extLst>
+              <a:ext uri="{FF2B5EF4-FFF2-40B4-BE49-F238E27FC236}">
+                <a16:creationId xmlns:a16="http://schemas.microsoft.com/office/drawing/2014/main" id="{909830D1-59BD-E346-97B9-4E88E2A693F5}"/>
+              </a:ext>
+            </a:extLst>
+          </p:cNvPr>
+          <p:cNvSpPr>
+            <a:spLocks noGrp="1"/>
+          </p:cNvSpPr>
+          <p:nvPr>
+            <p:ph type="title"/>
+          </p:nvPr>
+        </p:nvSpPr>
+        <p:spPr/>
+        <p:txBody>
+          <a:bodyPr/>
+          <a:lstStyle/>
+          <a:p>
+            <a:r>
+              <a:rPr lang="en-US" dirty="0"/>
+              <a:t>To do:</a:t>
+            </a:r>
+          </a:p>
+        </p:txBody>
+      </p:sp>
+      <p:sp>
+        <p:nvSpPr>
+          <p:cNvPr id="3" name="Content Placeholder 2">
+            <a:extLst>
+              <a:ext uri="{FF2B5EF4-FFF2-40B4-BE49-F238E27FC236}">
+                <a16:creationId xmlns:a16="http://schemas.microsoft.com/office/drawing/2014/main" id="{17145551-394A-8549-A764-6B3AE971F1C7}"/>
+              </a:ext>
+            </a:extLst>
+          </p:cNvPr>
+          <p:cNvSpPr>
+            <a:spLocks noGrp="1"/>
+          </p:cNvSpPr>
+          <p:nvPr>
+            <p:ph idx="1"/>
+          </p:nvPr>
+        </p:nvSpPr>
+        <p:spPr/>
+        <p:txBody>
+          <a:bodyPr/>
+          <a:lstStyle/>
+          <a:p>
+            <a:r>
+              <a:rPr lang="en-US" dirty="0"/>
+              <a:t>Pictures of circuits we made</a:t>
+            </a:r>
+          </a:p>
+          <a:p>
+            <a:pPr marL="0" indent="0">
+              <a:buNone/>
+            </a:pPr>
+            <a:endParaRPr lang="en-US" dirty="0"/>
+          </a:p>
+          <a:p>
+            <a:r>
+              <a:rPr lang="en-US" dirty="0"/>
+              <a:t>Learning Curve</a:t>
+            </a:r>
+          </a:p>
+          <a:p>
+            <a:endParaRPr lang="en-US" dirty="0"/>
+          </a:p>
+          <a:p>
+            <a:r>
+              <a:rPr lang="en-US" dirty="0"/>
+              <a:t>Make slides look nice</a:t>
+            </a:r>
+          </a:p>
+          <a:p>
+            <a:endParaRPr lang="en-US" dirty="0"/>
+          </a:p>
+          <a:p>
+            <a:endParaRPr lang="en-US" dirty="0"/>
+          </a:p>
+        </p:txBody>
+      </p:sp>
+    </p:spTree>
+    <p:extLst>
+      <p:ext uri="{BB962C8B-B14F-4D97-AF65-F5344CB8AC3E}">
+        <p14:creationId xmlns:p14="http://schemas.microsoft.com/office/powerpoint/2010/main" val="3249709393"/>
       </p:ext>
     </p:extLst>
   </p:cSld>
